--- a/doc/계획서발표_최종.pptx
+++ b/doc/계획서발표_최종.pptx
@@ -3467,34 +3467,8 @@
                 <a:latin typeface="Adobe 고딕 Std B" panose="020B0800000000000000" pitchFamily="34" charset="-127"/>
                 <a:ea typeface="Adobe 고딕 Std B" panose="020B0800000000000000" pitchFamily="34" charset="-127"/>
               </a:rPr>
-              <a:t> 같은 데이터플랫폼에서 얻어온 데이터들로 학습시킨 딥러닝 모델을 </a:t>
+              <a:t> 같은 데이터플랫폼에서 얻어온 데이터들로 학습시킨 </a:t>
             </a:r>
-            <a:endParaRPr lang="en-US" altLang="ko-KR" dirty="0">
-              <a:solidFill>
-                <a:srgbClr val="FF0000"/>
-              </a:solidFill>
-              <a:latin typeface="Adobe 고딕 Std B" panose="020B0800000000000000" pitchFamily="34" charset="-127"/>
-              <a:ea typeface="Adobe 고딕 Std B" panose="020B0800000000000000" pitchFamily="34" charset="-127"/>
-            </a:endParaRPr>
-          </a:p>
-          <a:p>
-            <a:pPr marL="0" indent="0">
-              <a:buFont typeface="Arial" panose="020B0604020202020204" pitchFamily="34" charset="0"/>
-              <a:buNone/>
-            </a:pPr>
-            <a:endParaRPr lang="en-US" altLang="ko-KR" dirty="0">
-              <a:solidFill>
-                <a:srgbClr val="FF0000"/>
-              </a:solidFill>
-              <a:latin typeface="Adobe 고딕 Std B" panose="020B0800000000000000" pitchFamily="34" charset="-127"/>
-              <a:ea typeface="Adobe 고딕 Std B" panose="020B0800000000000000" pitchFamily="34" charset="-127"/>
-            </a:endParaRPr>
-          </a:p>
-          <a:p>
-            <a:pPr marL="0" indent="0">
-              <a:buFont typeface="Arial" panose="020B0604020202020204" pitchFamily="34" charset="0"/>
-              <a:buNone/>
-            </a:pPr>
             <a:r>
               <a:rPr lang="ko-KR" altLang="en-US" dirty="0" err="1">
                 <a:solidFill>
@@ -3503,7 +3477,7 @@
                 <a:latin typeface="Adobe 고딕 Std B" panose="020B0800000000000000" pitchFamily="34" charset="-127"/>
                 <a:ea typeface="Adobe 고딕 Std B" panose="020B0800000000000000" pitchFamily="34" charset="-127"/>
               </a:rPr>
-              <a:t>텐서플로우라이트를</a:t>
+              <a:t>머신러닝</a:t>
             </a:r>
             <a:r>
               <a:rPr lang="ko-KR" altLang="en-US" dirty="0">
@@ -3513,7 +3487,7 @@
                 <a:latin typeface="Adobe 고딕 Std B" panose="020B0800000000000000" pitchFamily="34" charset="-127"/>
                 <a:ea typeface="Adobe 고딕 Std B" panose="020B0800000000000000" pitchFamily="34" charset="-127"/>
               </a:rPr>
-              <a:t> 활용하여 안드로이드에서 활용할 예정입니다</a:t>
+              <a:t> 모델을 활용할 예정입니다</a:t>
             </a:r>
             <a:r>
               <a:rPr lang="en-US" altLang="ko-KR" dirty="0">
@@ -4038,9 +4012,6 @@
             </a:r>
             <a:endParaRPr lang="ko-KR" altLang="en-US" dirty="0"/>
           </a:p>
-          <a:p>
-            <a:endParaRPr lang="ko-KR" altLang="en-US" dirty="0"/>
-          </a:p>
         </p:txBody>
       </p:sp>
       <p:sp>
@@ -4572,7 +4543,7 @@
                 <a:latin typeface="Adobe 고딕 Std B" panose="020B0800000000000000" pitchFamily="34" charset="-127"/>
                 <a:ea typeface="Adobe 고딕 Std B" panose="020B0800000000000000" pitchFamily="34" charset="-127"/>
               </a:rPr>
-              <a:t>신체의 상태변화가 있다는 것은 대뇌의 움직임이 활발하다는 뜻이므로 이 때 일어나야 개운하게 일어날 수 있다는 점입니다</a:t>
+              <a:t>이러한 상태변화가 있을 때 일어나야 개운하게 일어날 수 있다는 점 입니다</a:t>
             </a:r>
             <a:r>
               <a:rPr lang="en-US" altLang="ko-KR" dirty="0">
@@ -34110,7 +34081,7 @@
         </p:nvSpPr>
         <p:spPr>
           <a:xfrm>
-            <a:off x="7100887" y="1454422"/>
+            <a:off x="7199742" y="1447090"/>
             <a:ext cx="5140412" cy="1096839"/>
           </a:xfrm>
           <a:prstGeom prst="rect">
